--- a/slides/Session1.pptx
+++ b/slides/Session1.pptx
@@ -576,7 +576,7 @@
             </a:pPr>
             <a:r>
               <a:rPr lang="en-US" dirty="0"/>
-              <a:t>In the end I’m hoping we’ll have a nice Quarto document with everything we’ve done…maybe with a supplemental Shiny app that everyone can take home the code to create them</a:t>
+              <a:t>In the end I’m hoping we’ll have a nice Quarto document with everything we’ve done…maybe with a Shiny app that everyone can take home along with the code to create them</a:t>
             </a:r>
           </a:p>
           <a:p>
@@ -695,6 +695,90 @@
           <a:p>
             <a:fld id="{49516973-A855-5449-B8B7-AA49995512FD}" type="slidenum">
               <a:rPr lang="en-US" smtClean="0"/>
+              <a:t>4</a:t>
+            </a:fld>
+            <a:endParaRPr lang="en-US"/>
+          </a:p>
+        </p:txBody>
+      </p:sp>
+    </p:spTree>
+    <p:extLst>
+      <p:ext uri="{BB962C8B-B14F-4D97-AF65-F5344CB8AC3E}">
+        <p14:creationId xmlns:p14="http://schemas.microsoft.com/office/powerpoint/2010/main" val="3014098245"/>
+      </p:ext>
+    </p:extLst>
+  </p:cSld>
+  <p:clrMapOvr>
+    <a:masterClrMapping/>
+  </p:clrMapOvr>
+</p:notes>
+</file>
+
+<file path=ppt/notesSlides/notesSlide3.xml><?xml version="1.0" encoding="utf-8"?>
+<p:notes xmlns:a="http://schemas.openxmlformats.org/drawingml/2006/main" xmlns:r="http://schemas.openxmlformats.org/officeDocument/2006/relationships" xmlns:p="http://schemas.openxmlformats.org/presentationml/2006/main">
+  <p:cSld>
+    <p:spTree>
+      <p:nvGrpSpPr>
+        <p:cNvPr id="1" name=""/>
+        <p:cNvGrpSpPr/>
+        <p:nvPr/>
+      </p:nvGrpSpPr>
+      <p:grpSpPr>
+        <a:xfrm>
+          <a:off x="0" y="0"/>
+          <a:ext cx="0" cy="0"/>
+          <a:chOff x="0" y="0"/>
+          <a:chExt cx="0" cy="0"/>
+        </a:xfrm>
+      </p:grpSpPr>
+      <p:sp>
+        <p:nvSpPr>
+          <p:cNvPr id="2" name="Slide Image Placeholder 1"/>
+          <p:cNvSpPr>
+            <a:spLocks noGrp="1" noRot="1" noChangeAspect="1"/>
+          </p:cNvSpPr>
+          <p:nvPr>
+            <p:ph type="sldImg"/>
+          </p:nvPr>
+        </p:nvSpPr>
+        <p:spPr/>
+      </p:sp>
+      <p:sp>
+        <p:nvSpPr>
+          <p:cNvPr id="3" name="Notes Placeholder 2"/>
+          <p:cNvSpPr>
+            <a:spLocks noGrp="1"/>
+          </p:cNvSpPr>
+          <p:nvPr>
+            <p:ph type="body" idx="1"/>
+          </p:nvPr>
+        </p:nvSpPr>
+        <p:spPr/>
+        <p:txBody>
+          <a:bodyPr/>
+          <a:lstStyle/>
+          <a:p>
+            <a:endParaRPr lang="en-US" dirty="0"/>
+          </a:p>
+        </p:txBody>
+      </p:sp>
+      <p:sp>
+        <p:nvSpPr>
+          <p:cNvPr id="4" name="Slide Number Placeholder 3"/>
+          <p:cNvSpPr>
+            <a:spLocks noGrp="1"/>
+          </p:cNvSpPr>
+          <p:nvPr>
+            <p:ph type="sldNum" sz="quarter" idx="5"/>
+          </p:nvPr>
+        </p:nvSpPr>
+        <p:spPr/>
+        <p:txBody>
+          <a:bodyPr/>
+          <a:lstStyle/>
+          <a:p>
+            <a:fld id="{49516973-A855-5449-B8B7-AA49995512FD}" type="slidenum">
+              <a:rPr lang="en-US" smtClean="0"/>
               <a:t>13</a:t>
             </a:fld>
             <a:endParaRPr lang="en-US"/>
@@ -714,7 +798,7 @@
 </p:notes>
 </file>
 
-<file path=ppt/notesSlides/notesSlide3.xml><?xml version="1.0" encoding="utf-8"?>
+<file path=ppt/notesSlides/notesSlide4.xml><?xml version="1.0" encoding="utf-8"?>
 <p:notes xmlns:a="http://schemas.openxmlformats.org/drawingml/2006/main" xmlns:r="http://schemas.openxmlformats.org/officeDocument/2006/relationships" xmlns:p="http://schemas.openxmlformats.org/presentationml/2006/main">
   <p:cSld>
     <p:spTree>
@@ -4239,8 +4323,8 @@
         </p:blipFill>
         <p:spPr>
           <a:xfrm>
-            <a:off x="262759" y="2174957"/>
-            <a:ext cx="11727424" cy="2829121"/>
+            <a:off x="0" y="2225198"/>
+            <a:ext cx="12102304" cy="2919557"/>
           </a:xfrm>
           <a:prstGeom prst="rect">
             <a:avLst/>
@@ -6634,13 +6718,13 @@
           <p:nvPr>
             <p:extLst>
               <p:ext uri="{D42A27DB-BD31-4B8C-83A1-F6EECF244321}">
-                <p14:modId xmlns:p14="http://schemas.microsoft.com/office/powerpoint/2010/main" val="3522794860"/>
+                <p14:modId xmlns:p14="http://schemas.microsoft.com/office/powerpoint/2010/main" val="3977271917"/>
               </p:ext>
             </p:extLst>
           </p:nvPr>
         </p:nvGraphicFramePr>
         <p:xfrm>
-          <a:off x="2249215" y="1690688"/>
+          <a:off x="350076" y="1690688"/>
           <a:ext cx="7693570" cy="3907026"/>
         </p:xfrm>
         <a:graphic>
@@ -8147,6 +8231,76 @@
           </a:graphicData>
         </a:graphic>
       </p:graphicFrame>
+      <p:sp>
+        <p:nvSpPr>
+          <p:cNvPr id="3" name="TextBox 2">
+            <a:extLst>
+              <a:ext uri="{FF2B5EF4-FFF2-40B4-BE49-F238E27FC236}">
+                <a16:creationId xmlns:a16="http://schemas.microsoft.com/office/drawing/2014/main" id="{13E774A5-A89E-4F67-D267-3C3C95257454}"/>
+              </a:ext>
+            </a:extLst>
+          </p:cNvPr>
+          <p:cNvSpPr txBox="1"/>
+          <p:nvPr/>
+        </p:nvSpPr>
+        <p:spPr>
+          <a:xfrm>
+            <a:off x="9013371" y="1949380"/>
+            <a:ext cx="2843855" cy="1200329"/>
+          </a:xfrm>
+          <a:prstGeom prst="rect">
+            <a:avLst/>
+          </a:prstGeom>
+          <a:noFill/>
+        </p:spPr>
+        <p:txBody>
+          <a:bodyPr wrap="none" rtlCol="0">
+            <a:spAutoFit/>
+          </a:bodyPr>
+          <a:lstStyle/>
+          <a:p>
+            <a:r>
+              <a:rPr lang="en-US" dirty="0"/>
+              <a:t>Other places to store files?</a:t>
+            </a:r>
+          </a:p>
+          <a:p>
+            <a:pPr marL="285750" indent="-285750">
+              <a:buFont typeface="Arial" panose="020B0604020202020204" pitchFamily="34" charset="0"/>
+              <a:buChar char="•"/>
+            </a:pPr>
+            <a:r>
+              <a:rPr lang="en-US" dirty="0"/>
+              <a:t>Sherlock</a:t>
+            </a:r>
+          </a:p>
+          <a:p>
+            <a:pPr marL="285750" indent="-285750">
+              <a:buFont typeface="Arial" panose="020B0604020202020204" pitchFamily="34" charset="0"/>
+              <a:buChar char="•"/>
+            </a:pPr>
+            <a:r>
+              <a:rPr lang="en-US" dirty="0"/>
+              <a:t>GCP/</a:t>
+            </a:r>
+            <a:r>
+              <a:rPr lang="en-US" dirty="0" err="1"/>
+              <a:t>BigQuery</a:t>
+            </a:r>
+            <a:endParaRPr lang="en-US" dirty="0"/>
+          </a:p>
+          <a:p>
+            <a:pPr marL="285750" indent="-285750">
+              <a:buFont typeface="Arial" panose="020B0604020202020204" pitchFamily="34" charset="0"/>
+              <a:buChar char="•"/>
+            </a:pPr>
+            <a:r>
+              <a:rPr lang="en-US" dirty="0"/>
+              <a:t>Carina?</a:t>
+            </a:r>
+          </a:p>
+        </p:txBody>
+      </p:sp>
     </p:spTree>
     <p:extLst>
       <p:ext uri="{BB962C8B-B14F-4D97-AF65-F5344CB8AC3E}">
@@ -8205,7 +8359,7 @@
           <a:p>
             <a:r>
               <a:rPr lang="en-US" dirty="0"/>
-              <a:t>How I save files</a:t>
+              <a:t>How I save files (self version-control)</a:t>
             </a:r>
           </a:p>
         </p:txBody>
@@ -8320,10 +8474,10 @@
       </p:sp>
       <p:pic>
         <p:nvPicPr>
-          <p:cNvPr id="8" name="Picture 7" descr="A screenshot of a computer&#10;&#10;Description automatically generated">
-            <a:extLst>
-              <a:ext uri="{FF2B5EF4-FFF2-40B4-BE49-F238E27FC236}">
-                <a16:creationId xmlns:a16="http://schemas.microsoft.com/office/drawing/2014/main" id="{3D816388-1F28-DE54-5466-35EA19D97A43}"/>
+          <p:cNvPr id="7" name="Picture 6" descr="A screenshot of a computer&#10;&#10;Description automatically generated">
+            <a:extLst>
+              <a:ext uri="{FF2B5EF4-FFF2-40B4-BE49-F238E27FC236}">
+                <a16:creationId xmlns:a16="http://schemas.microsoft.com/office/drawing/2014/main" id="{1CDEAFFA-08D8-7E11-26B2-E51C44BEA24D}"/>
               </a:ext>
             </a:extLst>
           </p:cNvPr>
@@ -8333,15 +8487,15 @@
           <p:nvPr/>
         </p:nvPicPr>
         <p:blipFill>
-          <a:blip r:embed="rId2"/>
+          <a:blip r:embed="rId3"/>
           <a:stretch>
             <a:fillRect/>
           </a:stretch>
         </p:blipFill>
         <p:spPr>
           <a:xfrm>
-            <a:off x="1336783" y="3892136"/>
-            <a:ext cx="9201053" cy="2266926"/>
+            <a:off x="1894881" y="3694865"/>
+            <a:ext cx="8253953" cy="2773596"/>
           </a:xfrm>
           <a:prstGeom prst="rect">
             <a:avLst/>
@@ -8897,7 +9051,7 @@
             </a:pPr>
             <a:r>
               <a:rPr lang="en-US" dirty="0"/>
-              <a:t>Some folders are safe for PHI</a:t>
+              <a:t>*Some folders are safe for PHI</a:t>
             </a:r>
           </a:p>
           <a:p>
@@ -8907,7 +9061,7 @@
             </a:pPr>
             <a:r>
               <a:rPr lang="en-US" dirty="0"/>
-              <a:t>Owners of the Box folder can grant access to anyone (within Stanford Medicine)</a:t>
+              <a:t>Owners of the Box folder can grant access to anyone (within Stanford Medicine?)</a:t>
             </a:r>
           </a:p>
           <a:p>
